--- a/SacCrewProject2-Presentation.pptx
+++ b/SacCrewProject2-Presentation.pptx
@@ -11,12 +11,13 @@
     <p:sldId id="260" r:id="rId5"/>
     <p:sldId id="262" r:id="rId6"/>
     <p:sldId id="267" r:id="rId7"/>
-    <p:sldId id="264" r:id="rId8"/>
-    <p:sldId id="265" r:id="rId9"/>
-    <p:sldId id="269" r:id="rId10"/>
-    <p:sldId id="268" r:id="rId11"/>
-    <p:sldId id="270" r:id="rId12"/>
-    <p:sldId id="266" r:id="rId13"/>
+    <p:sldId id="272" r:id="rId8"/>
+    <p:sldId id="264" r:id="rId9"/>
+    <p:sldId id="265" r:id="rId10"/>
+    <p:sldId id="269" r:id="rId11"/>
+    <p:sldId id="268" r:id="rId12"/>
+    <p:sldId id="270" r:id="rId13"/>
+    <p:sldId id="266" r:id="rId14"/>
   </p:sldIdLst>
   <p:sldSz cx="12192000" cy="6858000"/>
   <p:notesSz cx="6858000" cy="9144000"/>
@@ -270,7 +271,7 @@
           <a:p>
             <a:fld id="{9F3DB1C3-4E61-5B4E-94DE-7EA10161143D}" type="datetimeFigureOut">
               <a:rPr lang="en-US" smtClean="0"/>
-              <a:t>11/14/20</a:t>
+              <a:t>11/15/20</a:t>
             </a:fld>
             <a:endParaRPr lang="en-US"/>
           </a:p>
@@ -468,7 +469,7 @@
           <a:p>
             <a:fld id="{9F3DB1C3-4E61-5B4E-94DE-7EA10161143D}" type="datetimeFigureOut">
               <a:rPr lang="en-US" smtClean="0"/>
-              <a:t>11/14/20</a:t>
+              <a:t>11/15/20</a:t>
             </a:fld>
             <a:endParaRPr lang="en-US"/>
           </a:p>
@@ -676,7 +677,7 @@
           <a:p>
             <a:fld id="{9F3DB1C3-4E61-5B4E-94DE-7EA10161143D}" type="datetimeFigureOut">
               <a:rPr lang="en-US" smtClean="0"/>
-              <a:t>11/14/20</a:t>
+              <a:t>11/15/20</a:t>
             </a:fld>
             <a:endParaRPr lang="en-US"/>
           </a:p>
@@ -874,7 +875,7 @@
           <a:p>
             <a:fld id="{9F3DB1C3-4E61-5B4E-94DE-7EA10161143D}" type="datetimeFigureOut">
               <a:rPr lang="en-US" smtClean="0"/>
-              <a:t>11/14/20</a:t>
+              <a:t>11/15/20</a:t>
             </a:fld>
             <a:endParaRPr lang="en-US"/>
           </a:p>
@@ -1149,7 +1150,7 @@
           <a:p>
             <a:fld id="{9F3DB1C3-4E61-5B4E-94DE-7EA10161143D}" type="datetimeFigureOut">
               <a:rPr lang="en-US" smtClean="0"/>
-              <a:t>11/14/20</a:t>
+              <a:t>11/15/20</a:t>
             </a:fld>
             <a:endParaRPr lang="en-US"/>
           </a:p>
@@ -1414,7 +1415,7 @@
           <a:p>
             <a:fld id="{9F3DB1C3-4E61-5B4E-94DE-7EA10161143D}" type="datetimeFigureOut">
               <a:rPr lang="en-US" smtClean="0"/>
-              <a:t>11/14/20</a:t>
+              <a:t>11/15/20</a:t>
             </a:fld>
             <a:endParaRPr lang="en-US"/>
           </a:p>
@@ -1826,7 +1827,7 @@
           <a:p>
             <a:fld id="{9F3DB1C3-4E61-5B4E-94DE-7EA10161143D}" type="datetimeFigureOut">
               <a:rPr lang="en-US" smtClean="0"/>
-              <a:t>11/14/20</a:t>
+              <a:t>11/15/20</a:t>
             </a:fld>
             <a:endParaRPr lang="en-US"/>
           </a:p>
@@ -1967,7 +1968,7 @@
           <a:p>
             <a:fld id="{9F3DB1C3-4E61-5B4E-94DE-7EA10161143D}" type="datetimeFigureOut">
               <a:rPr lang="en-US" smtClean="0"/>
-              <a:t>11/14/20</a:t>
+              <a:t>11/15/20</a:t>
             </a:fld>
             <a:endParaRPr lang="en-US"/>
           </a:p>
@@ -2080,7 +2081,7 @@
           <a:p>
             <a:fld id="{9F3DB1C3-4E61-5B4E-94DE-7EA10161143D}" type="datetimeFigureOut">
               <a:rPr lang="en-US" smtClean="0"/>
-              <a:t>11/14/20</a:t>
+              <a:t>11/15/20</a:t>
             </a:fld>
             <a:endParaRPr lang="en-US"/>
           </a:p>
@@ -2391,7 +2392,7 @@
           <a:p>
             <a:fld id="{9F3DB1C3-4E61-5B4E-94DE-7EA10161143D}" type="datetimeFigureOut">
               <a:rPr lang="en-US" smtClean="0"/>
-              <a:t>11/14/20</a:t>
+              <a:t>11/15/20</a:t>
             </a:fld>
             <a:endParaRPr lang="en-US"/>
           </a:p>
@@ -2679,7 +2680,7 @@
           <a:p>
             <a:fld id="{9F3DB1C3-4E61-5B4E-94DE-7EA10161143D}" type="datetimeFigureOut">
               <a:rPr lang="en-US" smtClean="0"/>
-              <a:t>11/14/20</a:t>
+              <a:t>11/15/20</a:t>
             </a:fld>
             <a:endParaRPr lang="en-US"/>
           </a:p>
@@ -2920,7 +2921,7 @@
           <a:p>
             <a:fld id="{9F3DB1C3-4E61-5B4E-94DE-7EA10161143D}" type="datetimeFigureOut">
               <a:rPr lang="en-US" smtClean="0"/>
-              <a:t>11/14/20</a:t>
+              <a:t>11/15/20</a:t>
             </a:fld>
             <a:endParaRPr lang="en-US"/>
           </a:p>
@@ -3845,27 +3846,22 @@
           </a:xfrm>
         </p:spPr>
         <p:txBody>
-          <a:bodyPr>
-            <a:normAutofit/>
-          </a:bodyPr>
-          <a:lstStyle/>
-          <a:p>
-            <a:r>
-              <a:rPr lang="en-US" sz="2800" dirty="0" err="1">
+          <a:bodyPr/>
+          <a:lstStyle/>
+          <a:p>
+            <a:r>
+              <a:rPr lang="en-US" dirty="0">
                 <a:solidFill>
                   <a:schemeClr val="accent3"/>
                 </a:solidFill>
               </a:rPr>
-              <a:t>Plotly</a:t>
-            </a:r>
-            <a:r>
-              <a:rPr lang="en-US" sz="2800" dirty="0">
-                <a:solidFill>
-                  <a:schemeClr val="accent3"/>
-                </a:solidFill>
-              </a:rPr>
-              <a:t> Bubble Chart</a:t>
-            </a:r>
+              <a:t>Top Product Changes</a:t>
+            </a:r>
+            <a:endParaRPr lang="en-US" sz="2800" dirty="0">
+              <a:solidFill>
+                <a:schemeClr val="accent3"/>
+              </a:solidFill>
+            </a:endParaRPr>
           </a:p>
         </p:txBody>
       </p:sp>
@@ -3898,7 +3894,7 @@
         </p:spPr>
         <p:txBody>
           <a:bodyPr>
-            <a:normAutofit fontScale="70000" lnSpcReduction="20000"/>
+            <a:normAutofit fontScale="92500" lnSpcReduction="20000"/>
           </a:bodyPr>
           <a:lstStyle/>
           <a:p>
@@ -3906,33 +3902,25 @@
               <a:buNone/>
             </a:pPr>
             <a:r>
-              <a:rPr lang="en-US" dirty="0" err="1">
+              <a:rPr lang="en-US" dirty="0">
                 <a:solidFill>
                   <a:schemeClr val="accent3"/>
                 </a:solidFill>
               </a:rPr>
-              <a:t>Plotly</a:t>
-            </a:r>
+              <a:t>Bootstrap tables are used to format your data to a grid using rows and columns.  It allows you to improve the look of an HTML table.  </a:t>
+            </a:r>
+          </a:p>
+          <a:p>
+            <a:pPr marL="0" indent="0">
+              <a:buNone/>
+            </a:pPr>
             <a:r>
               <a:rPr lang="en-US" dirty="0">
                 <a:solidFill>
                   <a:schemeClr val="accent3"/>
                 </a:solidFill>
               </a:rPr>
-              <a:t> is often chosen to take advantage of its ability to allow for creativity as complex plots only use three main concepts – layout, figure object, and data.   </a:t>
-            </a:r>
-          </a:p>
-          <a:p>
-            <a:pPr marL="0" indent="0">
-              <a:buNone/>
-            </a:pPr>
-            <a:r>
-              <a:rPr lang="en-US" dirty="0">
-                <a:solidFill>
-                  <a:schemeClr val="accent3"/>
-                </a:solidFill>
-              </a:rPr>
-              <a:t>In this chart we are showing the categories of our data set and demonstrating the size of the data set in each category by circle size.  The smaller the data set, the closer it will be to the x axis and the smaller the circle will be.  </a:t>
+              <a:t>In this table we are showing the top price changes for products – there increase and there decrease.  </a:t>
             </a:r>
           </a:p>
         </p:txBody>
@@ -3960,8 +3948,8 @@
         </p:blipFill>
         <p:spPr>
           <a:xfrm>
-            <a:off x="5039631" y="1690689"/>
-            <a:ext cx="6817676" cy="4498974"/>
+            <a:off x="4856205" y="571911"/>
+            <a:ext cx="6203092" cy="5617752"/>
           </a:xfrm>
           <a:ln>
             <a:solidFill>
@@ -3973,7 +3961,7 @@
     </p:spTree>
     <p:extLst>
       <p:ext uri="{BB962C8B-B14F-4D97-AF65-F5344CB8AC3E}">
-        <p14:creationId xmlns:p14="http://schemas.microsoft.com/office/powerpoint/2010/main" val="2453725918"/>
+        <p14:creationId xmlns:p14="http://schemas.microsoft.com/office/powerpoint/2010/main" val="2596739491"/>
       </p:ext>
     </p:extLst>
   </p:cSld>
@@ -4082,6 +4070,224 @@
                   <a:schemeClr val="accent3"/>
                 </a:solidFill>
               </a:rPr>
+              <a:t> Bubble Chart</a:t>
+            </a:r>
+          </a:p>
+        </p:txBody>
+      </p:sp>
+      <p:sp>
+        <p:nvSpPr>
+          <p:cNvPr id="4" name="Content Placeholder 3">
+            <a:extLst>
+              <a:ext uri="{FF2B5EF4-FFF2-40B4-BE49-F238E27FC236}">
+                <a16:creationId xmlns:a16="http://schemas.microsoft.com/office/drawing/2014/main" id="{8E6CF949-15A0-6745-8B2C-8402719C3F5B}"/>
+              </a:ext>
+            </a:extLst>
+          </p:cNvPr>
+          <p:cNvSpPr>
+            <a:spLocks noGrp="1"/>
+          </p:cNvSpPr>
+          <p:nvPr>
+            <p:ph sz="half" idx="2"/>
+          </p:nvPr>
+        </p:nvSpPr>
+        <p:spPr>
+          <a:xfrm>
+            <a:off x="839788" y="2565831"/>
+            <a:ext cx="3196279" cy="3623832"/>
+          </a:xfrm>
+          <a:ln>
+            <a:solidFill>
+              <a:schemeClr val="accent2"/>
+            </a:solidFill>
+          </a:ln>
+        </p:spPr>
+        <p:txBody>
+          <a:bodyPr>
+            <a:normAutofit fontScale="70000" lnSpcReduction="20000"/>
+          </a:bodyPr>
+          <a:lstStyle/>
+          <a:p>
+            <a:pPr marL="0" indent="0">
+              <a:buNone/>
+            </a:pPr>
+            <a:r>
+              <a:rPr lang="en-US" dirty="0" err="1">
+                <a:solidFill>
+                  <a:schemeClr val="accent3"/>
+                </a:solidFill>
+              </a:rPr>
+              <a:t>Plotly</a:t>
+            </a:r>
+            <a:r>
+              <a:rPr lang="en-US" dirty="0">
+                <a:solidFill>
+                  <a:schemeClr val="accent3"/>
+                </a:solidFill>
+              </a:rPr>
+              <a:t> is often chosen to take advantage of its ability to allow for creativity as complex plots only use three main concepts – layout, figure object, and data.   </a:t>
+            </a:r>
+          </a:p>
+          <a:p>
+            <a:pPr marL="0" indent="0">
+              <a:buNone/>
+            </a:pPr>
+            <a:r>
+              <a:rPr lang="en-US" dirty="0">
+                <a:solidFill>
+                  <a:schemeClr val="accent3"/>
+                </a:solidFill>
+              </a:rPr>
+              <a:t>In this chart we are showing the categories of our data set and demonstrating the size of the data set in each category by circle size.  The smaller the data set, the closer it will be to the x axis and the smaller the circle will be.  </a:t>
+            </a:r>
+          </a:p>
+        </p:txBody>
+      </p:sp>
+      <p:pic>
+        <p:nvPicPr>
+          <p:cNvPr id="12" name="Content Placeholder 11">
+            <a:extLst>
+              <a:ext uri="{FF2B5EF4-FFF2-40B4-BE49-F238E27FC236}">
+                <a16:creationId xmlns:a16="http://schemas.microsoft.com/office/drawing/2014/main" id="{D915B513-D066-FA47-8D2F-C3DDB359EF1C}"/>
+              </a:ext>
+            </a:extLst>
+          </p:cNvPr>
+          <p:cNvPicPr>
+            <a:picLocks noGrp="1" noChangeAspect="1"/>
+          </p:cNvPicPr>
+          <p:nvPr>
+            <p:ph sz="quarter" idx="4"/>
+          </p:nvPr>
+        </p:nvPicPr>
+        <p:blipFill>
+          <a:blip r:embed="rId2"/>
+          <a:srcRect/>
+          <a:stretch/>
+        </p:blipFill>
+        <p:spPr>
+          <a:xfrm>
+            <a:off x="5039631" y="1690689"/>
+            <a:ext cx="6817676" cy="4498974"/>
+          </a:xfrm>
+          <a:ln>
+            <a:solidFill>
+              <a:schemeClr val="accent2"/>
+            </a:solidFill>
+          </a:ln>
+        </p:spPr>
+      </p:pic>
+    </p:spTree>
+    <p:extLst>
+      <p:ext uri="{BB962C8B-B14F-4D97-AF65-F5344CB8AC3E}">
+        <p14:creationId xmlns:p14="http://schemas.microsoft.com/office/powerpoint/2010/main" val="2453725918"/>
+      </p:ext>
+    </p:extLst>
+  </p:cSld>
+  <p:clrMapOvr>
+    <a:masterClrMapping/>
+  </p:clrMapOvr>
+</p:sld>
+</file>
+
+<file path=ppt/slides/slide12.xml><?xml version="1.0" encoding="utf-8"?>
+<p:sld xmlns:a="http://schemas.openxmlformats.org/drawingml/2006/main" xmlns:r="http://schemas.openxmlformats.org/officeDocument/2006/relationships" xmlns:p="http://schemas.openxmlformats.org/presentationml/2006/main">
+  <p:cSld>
+    <p:bg>
+      <p:bgPr>
+        <a:solidFill>
+          <a:schemeClr val="tx1"/>
+        </a:solidFill>
+        <a:effectLst/>
+      </p:bgPr>
+    </p:bg>
+    <p:spTree>
+      <p:nvGrpSpPr>
+        <p:cNvPr id="1" name=""/>
+        <p:cNvGrpSpPr/>
+        <p:nvPr/>
+      </p:nvGrpSpPr>
+      <p:grpSpPr>
+        <a:xfrm>
+          <a:off x="0" y="0"/>
+          <a:ext cx="0" cy="0"/>
+          <a:chOff x="0" y="0"/>
+          <a:chExt cx="0" cy="0"/>
+        </a:xfrm>
+      </p:grpSpPr>
+      <p:sp>
+        <p:nvSpPr>
+          <p:cNvPr id="2" name="Title 1">
+            <a:extLst>
+              <a:ext uri="{FF2B5EF4-FFF2-40B4-BE49-F238E27FC236}">
+                <a16:creationId xmlns:a16="http://schemas.microsoft.com/office/drawing/2014/main" id="{A0F8C9F3-4793-0644-AF2C-5EDAF4282BAA}"/>
+              </a:ext>
+            </a:extLst>
+          </p:cNvPr>
+          <p:cNvSpPr>
+            <a:spLocks noGrp="1"/>
+          </p:cNvSpPr>
+          <p:nvPr>
+            <p:ph type="title"/>
+          </p:nvPr>
+        </p:nvSpPr>
+        <p:spPr/>
+        <p:txBody>
+          <a:bodyPr/>
+          <a:lstStyle/>
+          <a:p>
+            <a:r>
+              <a:rPr lang="en-US" dirty="0">
+                <a:solidFill>
+                  <a:schemeClr val="accent3"/>
+                </a:solidFill>
+              </a:rPr>
+              <a:t>Web Features</a:t>
+            </a:r>
+          </a:p>
+        </p:txBody>
+      </p:sp>
+      <p:sp>
+        <p:nvSpPr>
+          <p:cNvPr id="3" name="Text Placeholder 2">
+            <a:extLst>
+              <a:ext uri="{FF2B5EF4-FFF2-40B4-BE49-F238E27FC236}">
+                <a16:creationId xmlns:a16="http://schemas.microsoft.com/office/drawing/2014/main" id="{4DD49C7C-EE4D-5241-91AE-468BAE6D43B8}"/>
+              </a:ext>
+            </a:extLst>
+          </p:cNvPr>
+          <p:cNvSpPr>
+            <a:spLocks noGrp="1"/>
+          </p:cNvSpPr>
+          <p:nvPr>
+            <p:ph type="body" idx="1"/>
+          </p:nvPr>
+        </p:nvSpPr>
+        <p:spPr>
+          <a:xfrm>
+            <a:off x="839789" y="1681163"/>
+            <a:ext cx="3196278" cy="823912"/>
+          </a:xfrm>
+        </p:spPr>
+        <p:txBody>
+          <a:bodyPr>
+            <a:normAutofit/>
+          </a:bodyPr>
+          <a:lstStyle/>
+          <a:p>
+            <a:r>
+              <a:rPr lang="en-US" sz="2800" dirty="0" err="1">
+                <a:solidFill>
+                  <a:schemeClr val="accent3"/>
+                </a:solidFill>
+              </a:rPr>
+              <a:t>Plotly</a:t>
+            </a:r>
+            <a:r>
+              <a:rPr lang="en-US" sz="2800" dirty="0">
+                <a:solidFill>
+                  <a:schemeClr val="accent3"/>
+                </a:solidFill>
+              </a:rPr>
               <a:t> Bar Chart</a:t>
             </a:r>
           </a:p>
@@ -4180,7 +4386,7 @@
 </p:sld>
 </file>
 
-<file path=ppt/slides/slide12.xml><?xml version="1.0" encoding="utf-8"?>
+<file path=ppt/slides/slide13.xml><?xml version="1.0" encoding="utf-8"?>
 <p:sld xmlns:a="http://schemas.openxmlformats.org/drawingml/2006/main" xmlns:r="http://schemas.openxmlformats.org/officeDocument/2006/relationships" xmlns:p="http://schemas.openxmlformats.org/presentationml/2006/main">
   <p:cSld>
     <p:bg>
@@ -7155,7 +7361,7 @@
           <p:cNvPr id="2" name="Title 1">
             <a:extLst>
               <a:ext uri="{FF2B5EF4-FFF2-40B4-BE49-F238E27FC236}">
-                <a16:creationId xmlns:a16="http://schemas.microsoft.com/office/drawing/2014/main" id="{A0F8C9F3-4793-0644-AF2C-5EDAF4282BAA}"/>
+                <a16:creationId xmlns:a16="http://schemas.microsoft.com/office/drawing/2014/main" id="{BE71A8EF-C397-2B4F-818A-1168A51B3A83}"/>
               </a:ext>
             </a:extLst>
           </p:cNvPr>
@@ -7166,42 +7372,10 @@
             <p:ph type="title"/>
           </p:nvPr>
         </p:nvSpPr>
-        <p:spPr/>
-        <p:txBody>
-          <a:bodyPr/>
-          <a:lstStyle/>
-          <a:p>
-            <a:r>
-              <a:rPr lang="en-US" dirty="0">
-                <a:solidFill>
-                  <a:schemeClr val="accent3"/>
-                </a:solidFill>
-              </a:rPr>
-              <a:t>Web Features</a:t>
-            </a:r>
-          </a:p>
-        </p:txBody>
-      </p:sp>
-      <p:sp>
-        <p:nvSpPr>
-          <p:cNvPr id="3" name="Text Placeholder 2">
-            <a:extLst>
-              <a:ext uri="{FF2B5EF4-FFF2-40B4-BE49-F238E27FC236}">
-                <a16:creationId xmlns:a16="http://schemas.microsoft.com/office/drawing/2014/main" id="{4DD49C7C-EE4D-5241-91AE-468BAE6D43B8}"/>
-              </a:ext>
-            </a:extLst>
-          </p:cNvPr>
-          <p:cNvSpPr>
-            <a:spLocks noGrp="1"/>
-          </p:cNvSpPr>
-          <p:nvPr>
-            <p:ph type="body" idx="1"/>
-          </p:nvPr>
-        </p:nvSpPr>
-        <p:spPr>
-          <a:xfrm>
-            <a:off x="839789" y="1681163"/>
-            <a:ext cx="3196278" cy="823912"/>
+        <p:spPr>
+          <a:xfrm>
+            <a:off x="838200" y="2425153"/>
+            <a:ext cx="10515600" cy="1325563"/>
           </a:xfrm>
         </p:spPr>
         <p:txBody>
@@ -7210,160 +7384,22 @@
           </a:bodyPr>
           <a:lstStyle/>
           <a:p>
-            <a:r>
-              <a:rPr lang="en-US" sz="2800" dirty="0" err="1">
-                <a:solidFill>
-                  <a:schemeClr val="accent3"/>
+            <a:pPr algn="ctr"/>
+            <a:r>
+              <a:rPr lang="en-US" sz="8800" b="1" dirty="0">
+                <a:solidFill>
+                  <a:schemeClr val="accent2"/>
                 </a:solidFill>
               </a:rPr>
-              <a:t>CanvasJS</a:t>
-            </a:r>
-            <a:r>
-              <a:rPr lang="en-US" sz="2800" dirty="0">
-                <a:solidFill>
-                  <a:schemeClr val="accent3"/>
-                </a:solidFill>
-              </a:rPr>
-              <a:t> Charts</a:t>
-            </a:r>
-          </a:p>
-        </p:txBody>
-      </p:sp>
-      <p:sp>
-        <p:nvSpPr>
-          <p:cNvPr id="4" name="Content Placeholder 3">
-            <a:extLst>
-              <a:ext uri="{FF2B5EF4-FFF2-40B4-BE49-F238E27FC236}">
-                <a16:creationId xmlns:a16="http://schemas.microsoft.com/office/drawing/2014/main" id="{8E6CF949-15A0-6745-8B2C-8402719C3F5B}"/>
-              </a:ext>
-            </a:extLst>
-          </p:cNvPr>
-          <p:cNvSpPr>
-            <a:spLocks noGrp="1"/>
-          </p:cNvSpPr>
-          <p:nvPr>
-            <p:ph sz="half" idx="2"/>
-          </p:nvPr>
-        </p:nvSpPr>
-        <p:spPr>
-          <a:xfrm>
-            <a:off x="839788" y="2565831"/>
-            <a:ext cx="3196279" cy="4034666"/>
-          </a:xfrm>
-          <a:ln>
-            <a:solidFill>
-              <a:schemeClr val="accent2"/>
-            </a:solidFill>
-          </a:ln>
-        </p:spPr>
-        <p:txBody>
-          <a:bodyPr>
-            <a:normAutofit fontScale="70000" lnSpcReduction="20000"/>
-          </a:bodyPr>
-          <a:lstStyle/>
-          <a:p>
-            <a:pPr marL="0" indent="0">
-              <a:buNone/>
-            </a:pPr>
-            <a:r>
-              <a:rPr lang="en-US" dirty="0">
-                <a:solidFill>
-                  <a:schemeClr val="accent3"/>
-                </a:solidFill>
-              </a:rPr>
-              <a:t>We chose </a:t>
-            </a:r>
-            <a:r>
-              <a:rPr lang="en-US" dirty="0" err="1">
-                <a:solidFill>
-                  <a:schemeClr val="accent3"/>
-                </a:solidFill>
-              </a:rPr>
-              <a:t>CanvasJS</a:t>
-            </a:r>
-            <a:r>
-              <a:rPr lang="en-US" dirty="0">
-                <a:solidFill>
-                  <a:schemeClr val="accent3"/>
-                </a:solidFill>
-              </a:rPr>
-              <a:t> as our new library.  </a:t>
-            </a:r>
-          </a:p>
-          <a:p>
-            <a:pPr marL="0" indent="0">
-              <a:buNone/>
-            </a:pPr>
-            <a:r>
-              <a:rPr lang="en-US" dirty="0" err="1">
-                <a:solidFill>
-                  <a:schemeClr val="accent3"/>
-                </a:solidFill>
-              </a:rPr>
-              <a:t>CanvasJS</a:t>
-            </a:r>
-            <a:r>
-              <a:rPr lang="en-US" dirty="0">
-                <a:solidFill>
-                  <a:schemeClr val="accent3"/>
-                </a:solidFill>
-              </a:rPr>
-              <a:t> is usually chosen for its ability to run across multiple platforms without compromising your maintainability or functionality.  </a:t>
-            </a:r>
-          </a:p>
-          <a:p>
-            <a:pPr marL="0" indent="0">
-              <a:buNone/>
-            </a:pPr>
-            <a:r>
-              <a:rPr lang="en-US" dirty="0">
-                <a:solidFill>
-                  <a:schemeClr val="accent3"/>
-                </a:solidFill>
-              </a:rPr>
-              <a:t>In these two charts we are comparing all product  price changes in our data set between 2019 and 2020 showing count of product in the bar chart and then percent of change in the pie chart.</a:t>
-            </a:r>
-          </a:p>
-        </p:txBody>
-      </p:sp>
-      <p:pic>
-        <p:nvPicPr>
-          <p:cNvPr id="12" name="Content Placeholder 11" descr="Chart&#10;&#10;Description automatically generated">
-            <a:extLst>
-              <a:ext uri="{FF2B5EF4-FFF2-40B4-BE49-F238E27FC236}">
-                <a16:creationId xmlns:a16="http://schemas.microsoft.com/office/drawing/2014/main" id="{D915B513-D066-FA47-8D2F-C3DDB359EF1C}"/>
-              </a:ext>
-            </a:extLst>
-          </p:cNvPr>
-          <p:cNvPicPr>
-            <a:picLocks noGrp="1" noChangeAspect="1"/>
-          </p:cNvPicPr>
-          <p:nvPr>
-            <p:ph sz="quarter" idx="4"/>
-          </p:nvPr>
-        </p:nvPicPr>
-        <p:blipFill>
-          <a:blip r:embed="rId2"/>
-          <a:stretch>
-            <a:fillRect/>
-          </a:stretch>
-        </p:blipFill>
-        <p:spPr>
-          <a:xfrm>
-            <a:off x="4497388" y="2565831"/>
-            <a:ext cx="7240476" cy="2994710"/>
-          </a:xfrm>
-          <a:ln>
-            <a:solidFill>
-              <a:schemeClr val="accent2"/>
-            </a:solidFill>
-          </a:ln>
-        </p:spPr>
-      </p:pic>
+              <a:t>Appendix </a:t>
+            </a:r>
+          </a:p>
+        </p:txBody>
+      </p:sp>
     </p:spTree>
     <p:extLst>
       <p:ext uri="{BB962C8B-B14F-4D97-AF65-F5344CB8AC3E}">
-        <p14:creationId xmlns:p14="http://schemas.microsoft.com/office/powerpoint/2010/main" val="4256945227"/>
+        <p14:creationId xmlns:p14="http://schemas.microsoft.com/office/powerpoint/2010/main" val="4048435964"/>
       </p:ext>
     </p:extLst>
   </p:cSld>
@@ -7453,16 +7489,18 @@
           </a:xfrm>
         </p:spPr>
         <p:txBody>
-          <a:bodyPr/>
-          <a:lstStyle/>
-          <a:p>
-            <a:r>
-              <a:rPr lang="en-US" dirty="0">
+          <a:bodyPr>
+            <a:normAutofit/>
+          </a:bodyPr>
+          <a:lstStyle/>
+          <a:p>
+            <a:r>
+              <a:rPr lang="en-US" sz="2800" dirty="0" err="1">
                 <a:solidFill>
                   <a:schemeClr val="accent3"/>
                 </a:solidFill>
               </a:rPr>
-              <a:t>P</a:t>
+              <a:t>CanvasJS</a:t>
             </a:r>
             <a:r>
               <a:rPr lang="en-US" sz="2800" dirty="0">
@@ -7470,7 +7508,7 @@
                   <a:schemeClr val="accent3"/>
                 </a:solidFill>
               </a:rPr>
-              <a:t>roduct Comparison</a:t>
+              <a:t> Charts</a:t>
             </a:r>
           </a:p>
         </p:txBody>
@@ -7494,7 +7532,7 @@
         <p:spPr>
           <a:xfrm>
             <a:off x="839788" y="2565831"/>
-            <a:ext cx="3196279" cy="3623832"/>
+            <a:ext cx="3196279" cy="4034666"/>
           </a:xfrm>
           <a:ln>
             <a:solidFill>
@@ -7504,7 +7542,7 @@
         </p:spPr>
         <p:txBody>
           <a:bodyPr>
-            <a:normAutofit fontScale="62500" lnSpcReduction="20000"/>
+            <a:normAutofit fontScale="70000" lnSpcReduction="20000"/>
           </a:bodyPr>
           <a:lstStyle/>
           <a:p>
@@ -7517,7 +7555,23 @@
                   <a:schemeClr val="accent3"/>
                 </a:solidFill>
               </a:rPr>
-              <a:t>D3, JavaScript, and CSS were chosen for our product price comparison for their ability to adapt to different devices and for their ability to provide user interaction. </a:t>
+              <a:t>We chose </a:t>
+            </a:r>
+            <a:r>
+              <a:rPr lang="en-US" dirty="0" err="1">
+                <a:solidFill>
+                  <a:schemeClr val="accent3"/>
+                </a:solidFill>
+              </a:rPr>
+              <a:t>CanvasJS</a:t>
+            </a:r>
+            <a:r>
+              <a:rPr lang="en-US" dirty="0">
+                <a:solidFill>
+                  <a:schemeClr val="accent3"/>
+                </a:solidFill>
+              </a:rPr>
+              <a:t> as our new library.  </a:t>
             </a:r>
           </a:p>
           <a:p>
@@ -7525,12 +7579,20 @@
               <a:buNone/>
             </a:pPr>
             <a:r>
+              <a:rPr lang="en-US" dirty="0" err="1">
+                <a:solidFill>
+                  <a:schemeClr val="accent3"/>
+                </a:solidFill>
+              </a:rPr>
+              <a:t>CanvasJS</a:t>
+            </a:r>
+            <a:r>
               <a:rPr lang="en-US" dirty="0">
                 <a:solidFill>
                   <a:schemeClr val="accent3"/>
                 </a:solidFill>
               </a:rPr>
-              <a:t>This chart allows the user to select a product by category and by product to allow for a price comparison.  </a:t>
+              <a:t> is usually chosen for its ability to run across multiple platforms without compromising your maintainability or functionality.  </a:t>
             </a:r>
           </a:p>
           <a:p>
@@ -7543,14 +7605,14 @@
                   <a:schemeClr val="accent3"/>
                 </a:solidFill>
               </a:rPr>
-              <a:t>Not only is the user able to see price comparisons between products for 2019 and 2020, but they are also able to see what brand it is and to find the product real time on line to see if the price has changed further.  </a:t>
+              <a:t>In these two charts we are comparing all product  price changes in our data set between 2019 and 2020 showing count of product in the bar chart and then percent of change in the pie chart.</a:t>
             </a:r>
           </a:p>
         </p:txBody>
       </p:sp>
       <p:pic>
         <p:nvPicPr>
-          <p:cNvPr id="12" name="Content Placeholder 11">
+          <p:cNvPr id="12" name="Content Placeholder 11" descr="Chart&#10;&#10;Description automatically generated">
             <a:extLst>
               <a:ext uri="{FF2B5EF4-FFF2-40B4-BE49-F238E27FC236}">
                 <a16:creationId xmlns:a16="http://schemas.microsoft.com/office/drawing/2014/main" id="{D915B513-D066-FA47-8D2F-C3DDB359EF1C}"/>
@@ -7566,13 +7628,14 @@
         </p:nvPicPr>
         <p:blipFill>
           <a:blip r:embed="rId2"/>
-          <a:srcRect/>
-          <a:stretch/>
+          <a:stretch>
+            <a:fillRect/>
+          </a:stretch>
         </p:blipFill>
         <p:spPr>
           <a:xfrm>
-            <a:off x="4741703" y="2609196"/>
-            <a:ext cx="6822112" cy="3537099"/>
+            <a:off x="4497388" y="2565831"/>
+            <a:ext cx="7240476" cy="2994710"/>
           </a:xfrm>
           <a:ln>
             <a:solidFill>
@@ -7584,7 +7647,7 @@
     </p:spTree>
     <p:extLst>
       <p:ext uri="{BB962C8B-B14F-4D97-AF65-F5344CB8AC3E}">
-        <p14:creationId xmlns:p14="http://schemas.microsoft.com/office/powerpoint/2010/main" val="1711032124"/>
+        <p14:creationId xmlns:p14="http://schemas.microsoft.com/office/powerpoint/2010/main" val="4256945227"/>
       </p:ext>
     </p:extLst>
   </p:cSld>
@@ -7683,13 +7746,16 @@
                   <a:schemeClr val="accent3"/>
                 </a:solidFill>
               </a:rPr>
-              <a:t>Top Product Changes</a:t>
-            </a:r>
-            <a:endParaRPr lang="en-US" sz="2800" dirty="0">
-              <a:solidFill>
-                <a:schemeClr val="accent3"/>
-              </a:solidFill>
-            </a:endParaRPr>
+              <a:t>P</a:t>
+            </a:r>
+            <a:r>
+              <a:rPr lang="en-US" sz="2800" dirty="0">
+                <a:solidFill>
+                  <a:schemeClr val="accent3"/>
+                </a:solidFill>
+              </a:rPr>
+              <a:t>roduct Comparison</a:t>
+            </a:r>
           </a:p>
         </p:txBody>
       </p:sp>
@@ -7722,7 +7788,7 @@
         </p:spPr>
         <p:txBody>
           <a:bodyPr>
-            <a:normAutofit fontScale="92500" lnSpcReduction="20000"/>
+            <a:normAutofit fontScale="62500" lnSpcReduction="20000"/>
           </a:bodyPr>
           <a:lstStyle/>
           <a:p>
@@ -7735,7 +7801,7 @@
                   <a:schemeClr val="accent3"/>
                 </a:solidFill>
               </a:rPr>
-              <a:t>Bootstrap tables are used to format your data to a grid using rows and columns.  It allows you to improve the look of an HTML table.  </a:t>
+              <a:t>D3, JavaScript, and CSS were chosen for our product price comparison for their ability to adapt to different devices and for their ability to provide user interaction. </a:t>
             </a:r>
           </a:p>
           <a:p>
@@ -7748,7 +7814,20 @@
                   <a:schemeClr val="accent3"/>
                 </a:solidFill>
               </a:rPr>
-              <a:t>In this table we are showing the top price changes for products – there increase and there decrease.  </a:t>
+              <a:t>This chart allows the user to select a product by category and by product to allow for a price comparison.  </a:t>
+            </a:r>
+          </a:p>
+          <a:p>
+            <a:pPr marL="0" indent="0">
+              <a:buNone/>
+            </a:pPr>
+            <a:r>
+              <a:rPr lang="en-US" dirty="0">
+                <a:solidFill>
+                  <a:schemeClr val="accent3"/>
+                </a:solidFill>
+              </a:rPr>
+              <a:t>Not only is the user able to see price comparisons between products for 2019 and 2020, but they are also able to see what brand it is and to find the product real time on line to see if the price has changed further.  </a:t>
             </a:r>
           </a:p>
         </p:txBody>
@@ -7776,8 +7855,8 @@
         </p:blipFill>
         <p:spPr>
           <a:xfrm>
-            <a:off x="4856205" y="571911"/>
-            <a:ext cx="6203092" cy="5617752"/>
+            <a:off x="4741703" y="2609196"/>
+            <a:ext cx="6822112" cy="3537099"/>
           </a:xfrm>
           <a:ln>
             <a:solidFill>
@@ -7789,7 +7868,7 @@
     </p:spTree>
     <p:extLst>
       <p:ext uri="{BB962C8B-B14F-4D97-AF65-F5344CB8AC3E}">
-        <p14:creationId xmlns:p14="http://schemas.microsoft.com/office/powerpoint/2010/main" val="2596739491"/>
+        <p14:creationId xmlns:p14="http://schemas.microsoft.com/office/powerpoint/2010/main" val="1711032124"/>
       </p:ext>
     </p:extLst>
   </p:cSld>
